--- a/reports/presentation/kinocto_EA.pptx
+++ b/reports/presentation/kinocto_EA.pptx
@@ -208,7 +208,7 @@
             <a:fld id="{381DA2EF-BD8E-7540-8292-FDE805AE340C}" type="datetimeFigureOut">
               <a:rPr lang="en-US" smtClean="0"/>
               <a:pPr/>
-              <a:t>2/24/2013</a:t>
+              <a:t>2/26/2013</a:t>
             </a:fld>
             <a:endParaRPr lang="en-US"/>
           </a:p>
@@ -375,7 +375,7 @@
             <a:fld id="{2D05A41B-3834-2942-A655-D365844A6823}" type="datetimeFigureOut">
               <a:rPr lang="en-US" smtClean="0"/>
               <a:pPr/>
-              <a:t>2/24/2013</a:t>
+              <a:t>2/26/2013</a:t>
             </a:fld>
             <a:endParaRPr lang="en-US"/>
           </a:p>
@@ -864,7 +864,7 @@
             <a:fld id="{1B7D6F30-1720-D44A-AAAC-31BBD1F6EF97}" type="datetimeFigureOut">
               <a:rPr lang="en-US" smtClean="0"/>
               <a:pPr/>
-              <a:t>2/24/2013</a:t>
+              <a:t>2/26/2013</a:t>
             </a:fld>
             <a:endParaRPr lang="en-US"/>
           </a:p>
@@ -1195,7 +1195,7 @@
             <a:fld id="{1B7D6F30-1720-D44A-AAAC-31BBD1F6EF97}" type="datetimeFigureOut">
               <a:rPr lang="en-US" smtClean="0"/>
               <a:pPr/>
-              <a:t>2/24/2013</a:t>
+              <a:t>2/26/2013</a:t>
             </a:fld>
             <a:endParaRPr lang="en-US"/>
           </a:p>
@@ -1482,7 +1482,7 @@
             <a:fld id="{1B7D6F30-1720-D44A-AAAC-31BBD1F6EF97}" type="datetimeFigureOut">
               <a:rPr lang="en-US" smtClean="0"/>
               <a:pPr/>
-              <a:t>2/24/2013</a:t>
+              <a:t>2/26/2013</a:t>
             </a:fld>
             <a:endParaRPr lang="en-US"/>
           </a:p>
@@ -1785,7 +1785,7 @@
             <a:fld id="{1B7D6F30-1720-D44A-AAAC-31BBD1F6EF97}" type="datetimeFigureOut">
               <a:rPr lang="en-US" smtClean="0"/>
               <a:pPr/>
-              <a:t>2/24/2013</a:t>
+              <a:t>2/26/2013</a:t>
             </a:fld>
             <a:endParaRPr lang="en-US"/>
           </a:p>
@@ -2123,7 +2123,7 @@
             <a:fld id="{1B7D6F30-1720-D44A-AAAC-31BBD1F6EF97}" type="datetimeFigureOut">
               <a:rPr lang="en-US" smtClean="0"/>
               <a:pPr/>
-              <a:t>2/24/2013</a:t>
+              <a:t>2/26/2013</a:t>
             </a:fld>
             <a:endParaRPr lang="en-US"/>
           </a:p>
@@ -2383,7 +2383,7 @@
             <a:fld id="{1B7D6F30-1720-D44A-AAAC-31BBD1F6EF97}" type="datetimeFigureOut">
               <a:rPr lang="en-US" smtClean="0"/>
               <a:pPr/>
-              <a:t>2/24/2013</a:t>
+              <a:t>2/26/2013</a:t>
             </a:fld>
             <a:endParaRPr lang="en-US"/>
           </a:p>
@@ -2572,7 +2572,7 @@
             <a:fld id="{1B7D6F30-1720-D44A-AAAC-31BBD1F6EF97}" type="datetimeFigureOut">
               <a:rPr lang="en-US" smtClean="0"/>
               <a:pPr/>
-              <a:t>2/24/2013</a:t>
+              <a:t>2/26/2013</a:t>
             </a:fld>
             <a:endParaRPr lang="en-US"/>
           </a:p>
@@ -2756,7 +2756,7 @@
             <a:fld id="{1B7D6F30-1720-D44A-AAAC-31BBD1F6EF97}" type="datetimeFigureOut">
               <a:rPr lang="en-US" smtClean="0"/>
               <a:pPr/>
-              <a:t>2/24/2013</a:t>
+              <a:t>2/26/2013</a:t>
             </a:fld>
             <a:endParaRPr lang="en-US"/>
           </a:p>
@@ -3035,7 +3035,7 @@
             <a:fld id="{1B7D6F30-1720-D44A-AAAC-31BBD1F6EF97}" type="datetimeFigureOut">
               <a:rPr lang="en-US" smtClean="0"/>
               <a:pPr/>
-              <a:t>2/24/2013</a:t>
+              <a:t>2/26/2013</a:t>
             </a:fld>
             <a:endParaRPr lang="en-US"/>
           </a:p>
@@ -3351,7 +3351,7 @@
             <a:fld id="{1B7D6F30-1720-D44A-AAAC-31BBD1F6EF97}" type="datetimeFigureOut">
               <a:rPr lang="en-US" smtClean="0"/>
               <a:pPr/>
-              <a:t>2/24/2013</a:t>
+              <a:t>2/26/2013</a:t>
             </a:fld>
             <a:endParaRPr lang="en-US"/>
           </a:p>
@@ -3653,7 +3653,7 @@
             <a:fld id="{1B7D6F30-1720-D44A-AAAC-31BBD1F6EF97}" type="datetimeFigureOut">
               <a:rPr lang="en-US" smtClean="0"/>
               <a:pPr/>
-              <a:t>2/24/2013</a:t>
+              <a:t>2/26/2013</a:t>
             </a:fld>
             <a:endParaRPr lang="en-US"/>
           </a:p>
@@ -4093,7 +4093,7 @@
             <a:fld id="{1B7D6F30-1720-D44A-AAAC-31BBD1F6EF97}" type="datetimeFigureOut">
               <a:rPr lang="en-US" smtClean="0"/>
               <a:pPr/>
-              <a:t>2/24/2013</a:t>
+              <a:t>2/26/2013</a:t>
             </a:fld>
             <a:endParaRPr lang="en-US"/>
           </a:p>
@@ -4449,7 +4449,7 @@
             <a:fld id="{1B7D6F30-1720-D44A-AAAC-31BBD1F6EF97}" type="datetimeFigureOut">
               <a:rPr lang="en-US" smtClean="0"/>
               <a:pPr/>
-              <a:t>2/24/2013</a:t>
+              <a:t>2/26/2013</a:t>
             </a:fld>
             <a:endParaRPr lang="en-US"/>
           </a:p>
@@ -4549,7 +4549,7 @@
             <a:fld id="{1B7D6F30-1720-D44A-AAAC-31BBD1F6EF97}" type="datetimeFigureOut">
               <a:rPr lang="en-US" smtClean="0"/>
               <a:pPr/>
-              <a:t>2/24/2013</a:t>
+              <a:t>2/26/2013</a:t>
             </a:fld>
             <a:endParaRPr lang="en-US"/>
           </a:p>
@@ -4896,7 +4896,7 @@
             <a:fld id="{1B7D6F30-1720-D44A-AAAC-31BBD1F6EF97}" type="datetimeFigureOut">
               <a:rPr lang="en-US" smtClean="0"/>
               <a:pPr/>
-              <a:t>2/24/2013</a:t>
+              <a:t>2/26/2013</a:t>
             </a:fld>
             <a:endParaRPr lang="en-US"/>
           </a:p>
@@ -5118,7 +5118,7 @@
             <a:fld id="{1B7D6F30-1720-D44A-AAAC-31BBD1F6EF97}" type="datetimeFigureOut">
               <a:rPr lang="en-US" smtClean="0"/>
               <a:pPr/>
-              <a:t>2/24/2013</a:t>
+              <a:t>2/26/2013</a:t>
             </a:fld>
             <a:endParaRPr lang="en-US"/>
           </a:p>
@@ -5721,31 +5721,20 @@
               <a:rPr lang="fr-FR" dirty="0" smtClean="0"/>
               <a:t>Faible consommation énergétique (24V 150 ohms);</a:t>
             </a:r>
-            <a:endParaRPr lang="fr-FR" dirty="0" smtClean="0"/>
           </a:p>
           <a:p>
             <a:pPr marL="0" indent="0"/>
             <a:r>
               <a:rPr lang="fr-FR" dirty="0" smtClean="0"/>
-              <a:t>Meilleur précision possible lors du changement de direction</a:t>
-            </a:r>
+              <a:t>Meilleur précision possible lors du changement de direction;</a:t>
+            </a:r>
+          </a:p>
+          <a:p>
+            <a:pPr marL="0" indent="0"/>
             <a:r>
               <a:rPr lang="fr-FR" dirty="0" smtClean="0"/>
-              <a:t>;</a:t>
-            </a:r>
-            <a:endParaRPr lang="fr-FR" dirty="0" smtClean="0"/>
-          </a:p>
-          <a:p>
-            <a:pPr marL="0" indent="0"/>
-            <a:r>
-              <a:rPr lang="fr-FR" dirty="0" smtClean="0"/>
-              <a:t>Actionneur magnétique</a:t>
-            </a:r>
-            <a:r>
-              <a:rPr lang="fr-FR" dirty="0" smtClean="0"/>
-              <a:t>;</a:t>
-            </a:r>
-            <a:endParaRPr lang="fr-FR" dirty="0" smtClean="0"/>
+              <a:t>Actionneur magnétique;</a:t>
+            </a:r>
           </a:p>
           <a:p>
             <a:pPr marL="0" indent="0">
@@ -5862,7 +5851,6 @@
               <a:rPr lang="fr-FR" dirty="0" smtClean="0"/>
               <a:t> 11.1V à 24V DC;</a:t>
             </a:r>
-            <a:endParaRPr lang="fr-FR" dirty="0" smtClean="0"/>
           </a:p>
           <a:p>
             <a:pPr marL="0" indent="0"/>
@@ -5882,7 +5870,6 @@
               <a:rPr lang="fr-FR" dirty="0" smtClean="0"/>
               <a:t>Oscillation de tension en sortie de 2% maximum;</a:t>
             </a:r>
-            <a:endParaRPr lang="fr-FR" dirty="0" smtClean="0"/>
           </a:p>
           <a:p>
             <a:pPr marL="0" indent="0"/>
@@ -5890,7 +5877,6 @@
               <a:rPr lang="fr-FR" dirty="0" smtClean="0"/>
               <a:t>Puissance maximum de 150W, efficacité de 94%;</a:t>
             </a:r>
-            <a:endParaRPr lang="fr-FR" dirty="0" smtClean="0"/>
           </a:p>
           <a:p>
             <a:pPr marL="0" indent="0">
@@ -6039,7 +6025,6 @@
               <a:rPr lang="fr-FR" dirty="0" smtClean="0"/>
               <a:t>Bande de détection de 262 à 270 KHZ</a:t>
             </a:r>
-            <a:endParaRPr lang="fr-FR" dirty="0" smtClean="0"/>
           </a:p>
           <a:p>
             <a:pPr marL="0" indent="0"/>
@@ -6047,7 +6032,6 @@
               <a:rPr lang="fr-FR" dirty="0" smtClean="0"/>
               <a:t>Hystérésis en sortie du décodeur;</a:t>
             </a:r>
-            <a:endParaRPr lang="fr-FR" dirty="0" smtClean="0"/>
           </a:p>
           <a:p>
             <a:pPr marL="0" indent="0"/>
@@ -6055,7 +6039,6 @@
               <a:rPr lang="fr-FR" dirty="0" smtClean="0"/>
               <a:t>Antenne bobinée en plusieurs boucles pour maximiser la variation du flux magnétique.</a:t>
             </a:r>
-            <a:endParaRPr lang="fr-FR" dirty="0" smtClean="0"/>
           </a:p>
           <a:p>
             <a:pPr marL="0" indent="0"/>
@@ -6167,7 +6150,13 @@
               <a:rPr lang="fr-FR" dirty="0" smtClean="0"/>
               <a:t>Batterie Li-Po 11.1V  de 5.0Ah;</a:t>
             </a:r>
-            <a:endParaRPr lang="fr-FR" dirty="0" smtClean="0"/>
+          </a:p>
+          <a:p>
+            <a:pPr marL="0" indent="0"/>
+            <a:r>
+              <a:rPr lang="fr-FR" dirty="0" smtClean="0"/>
+              <a:t> 3 interrupteurs avec témoins lumineux;</a:t>
+            </a:r>
           </a:p>
           <a:p>
             <a:pPr marL="0" indent="0"/>
@@ -6176,24 +6165,16 @@
               <a:t> </a:t>
             </a:r>
             <a:r>
+              <a:rPr lang="fr-FR" smtClean="0"/>
+              <a:t>3 </a:t>
+            </a:r>
+            <a:r>
+              <a:rPr lang="fr-FR" smtClean="0"/>
+              <a:t>fusibles </a:t>
+            </a:r>
+            <a:r>
               <a:rPr lang="fr-FR" dirty="0" smtClean="0"/>
-              <a:t>3 interrupteurs avec </a:t>
-            </a:r>
-            <a:r>
-              <a:rPr lang="fr-FR" smtClean="0"/>
-              <a:t>témoins lumineux;</a:t>
-            </a:r>
-            <a:endParaRPr lang="fr-FR" dirty="0" smtClean="0"/>
-          </a:p>
-          <a:p>
-            <a:pPr marL="0" indent="0"/>
-            <a:r>
-              <a:rPr lang="fr-FR" dirty="0" smtClean="0"/>
-              <a:t> </a:t>
-            </a:r>
-            <a:r>
-              <a:rPr lang="fr-FR" dirty="0" smtClean="0"/>
-              <a:t>3 fusible de protection devant les transformateurs de tension</a:t>
+              <a:t>de protection devant les transformateurs de tension</a:t>
             </a:r>
             <a:r>
               <a:rPr lang="fr-FR" dirty="0"/>
